--- a/slides/geog4300_f19_L11-3 Wilcoxon Normality.pptx
+++ b/slides/geog4300_f19_L11-3 Wilcoxon Normality.pptx
@@ -32797,7 +32797,7 @@
                 <a:cs typeface="Gill Sans MT"/>
                 <a:sym typeface="Gill Sans MT"/>
               </a:rPr>
-              <a:t>Z score of actual data</a:t>
+              <a:t>% rank of actual data</a:t>
             </a:r>
           </a:p>
         </p:txBody>
@@ -32870,7 +32870,7 @@
                 <a:cs typeface="Gill Sans MT"/>
                 <a:sym typeface="Gill Sans MT"/>
               </a:rPr>
-              <a:t>Z score of a hypothetical</a:t>
+              <a:t>Z score in a hypothetical</a:t>
             </a:r>
           </a:p>
           <a:p>
